--- a/visuals/figures.pptx
+++ b/visuals/figures.pptx
@@ -119,6 +119,11 @@
       </a:defRPr>
     </a:lvl9pPr>
   </p:defaultTextStyle>
+  <p:extLst>
+    <p:ext uri="{EFAFB233-063F-42B5-8137-9DF3F51BA10A}">
+      <p15:sldGuideLst xmlns:p15="http://schemas.microsoft.com/office/powerpoint/2012/main"/>
+    </p:ext>
+  </p:extLst>
 </p:presentation>
 </file>
 
@@ -204,7 +209,7 @@
           <a:p>
             <a:fld id="{D9F48248-2783-A441-98C5-AE0F36EF047D}" type="datetimeFigureOut">
               <a:rPr lang="en-US" smtClean="0"/>
-              <a:t>6/16/21</a:t>
+              <a:t>6/17/21</a:t>
             </a:fld>
             <a:endParaRPr lang="en-US"/>
           </a:p>
@@ -702,7 +707,7 @@
           <a:p>
             <a:fld id="{87D6212C-1CE2-3649-A653-54DD210202D5}" type="datetimeFigureOut">
               <a:rPr lang="en-US" smtClean="0"/>
-              <a:t>6/16/21</a:t>
+              <a:t>6/17/21</a:t>
             </a:fld>
             <a:endParaRPr lang="en-US"/>
           </a:p>
@@ -900,7 +905,7 @@
           <a:p>
             <a:fld id="{87D6212C-1CE2-3649-A653-54DD210202D5}" type="datetimeFigureOut">
               <a:rPr lang="en-US" smtClean="0"/>
-              <a:t>6/16/21</a:t>
+              <a:t>6/17/21</a:t>
             </a:fld>
             <a:endParaRPr lang="en-US"/>
           </a:p>
@@ -1108,7 +1113,7 @@
           <a:p>
             <a:fld id="{87D6212C-1CE2-3649-A653-54DD210202D5}" type="datetimeFigureOut">
               <a:rPr lang="en-US" smtClean="0"/>
-              <a:t>6/16/21</a:t>
+              <a:t>6/17/21</a:t>
             </a:fld>
             <a:endParaRPr lang="en-US"/>
           </a:p>
@@ -1306,7 +1311,7 @@
           <a:p>
             <a:fld id="{87D6212C-1CE2-3649-A653-54DD210202D5}" type="datetimeFigureOut">
               <a:rPr lang="en-US" smtClean="0"/>
-              <a:t>6/16/21</a:t>
+              <a:t>6/17/21</a:t>
             </a:fld>
             <a:endParaRPr lang="en-US"/>
           </a:p>
@@ -1581,7 +1586,7 @@
           <a:p>
             <a:fld id="{87D6212C-1CE2-3649-A653-54DD210202D5}" type="datetimeFigureOut">
               <a:rPr lang="en-US" smtClean="0"/>
-              <a:t>6/16/21</a:t>
+              <a:t>6/17/21</a:t>
             </a:fld>
             <a:endParaRPr lang="en-US"/>
           </a:p>
@@ -1846,7 +1851,7 @@
           <a:p>
             <a:fld id="{87D6212C-1CE2-3649-A653-54DD210202D5}" type="datetimeFigureOut">
               <a:rPr lang="en-US" smtClean="0"/>
-              <a:t>6/16/21</a:t>
+              <a:t>6/17/21</a:t>
             </a:fld>
             <a:endParaRPr lang="en-US"/>
           </a:p>
@@ -2258,7 +2263,7 @@
           <a:p>
             <a:fld id="{87D6212C-1CE2-3649-A653-54DD210202D5}" type="datetimeFigureOut">
               <a:rPr lang="en-US" smtClean="0"/>
-              <a:t>6/16/21</a:t>
+              <a:t>6/17/21</a:t>
             </a:fld>
             <a:endParaRPr lang="en-US"/>
           </a:p>
@@ -2399,7 +2404,7 @@
           <a:p>
             <a:fld id="{87D6212C-1CE2-3649-A653-54DD210202D5}" type="datetimeFigureOut">
               <a:rPr lang="en-US" smtClean="0"/>
-              <a:t>6/16/21</a:t>
+              <a:t>6/17/21</a:t>
             </a:fld>
             <a:endParaRPr lang="en-US"/>
           </a:p>
@@ -2512,7 +2517,7 @@
           <a:p>
             <a:fld id="{87D6212C-1CE2-3649-A653-54DD210202D5}" type="datetimeFigureOut">
               <a:rPr lang="en-US" smtClean="0"/>
-              <a:t>6/16/21</a:t>
+              <a:t>6/17/21</a:t>
             </a:fld>
             <a:endParaRPr lang="en-US"/>
           </a:p>
@@ -2823,7 +2828,7 @@
           <a:p>
             <a:fld id="{87D6212C-1CE2-3649-A653-54DD210202D5}" type="datetimeFigureOut">
               <a:rPr lang="en-US" smtClean="0"/>
-              <a:t>6/16/21</a:t>
+              <a:t>6/17/21</a:t>
             </a:fld>
             <a:endParaRPr lang="en-US"/>
           </a:p>
@@ -3111,7 +3116,7 @@
           <a:p>
             <a:fld id="{87D6212C-1CE2-3649-A653-54DD210202D5}" type="datetimeFigureOut">
               <a:rPr lang="en-US" smtClean="0"/>
-              <a:t>6/16/21</a:t>
+              <a:t>6/17/21</a:t>
             </a:fld>
             <a:endParaRPr lang="en-US"/>
           </a:p>
@@ -3352,7 +3357,7 @@
           <a:p>
             <a:fld id="{87D6212C-1CE2-3649-A653-54DD210202D5}" type="datetimeFigureOut">
               <a:rPr lang="en-US" smtClean="0"/>
-              <a:t>6/16/21</a:t>
+              <a:t>6/17/21</a:t>
             </a:fld>
             <a:endParaRPr lang="en-US"/>
           </a:p>
